--- a/ED-Tema-6/6.2 REPORTE DE PRACTICA_CYNTHIA JASMINE MORALES TORRES.pptx
+++ b/ED-Tema-6/6.2 REPORTE DE PRACTICA_CYNTHIA JASMINE MORALES TORRES.pptx
@@ -114,6 +114,11 @@
       </a:defRPr>
     </a:lvl9pPr>
   </p:defaultTextStyle>
+  <p:extLst>
+    <p:ext uri="{EFAFB233-063F-42B5-8137-9DF3F51BA10A}">
+      <p15:sldGuideLst xmlns:p15="http://schemas.microsoft.com/office/powerpoint/2012/main"/>
+    </p:ext>
+  </p:extLst>
 </p:presentation>
 </file>
 
@@ -288,7 +293,7 @@
           <a:p>
             <a:fld id="{3C7D1927-A7A9-4FCF-9552-36A69B0CF598}" type="datetimeFigureOut">
               <a:rPr lang="es-MX" smtClean="0"/>
-              <a:t>13/12/2025</a:t>
+              <a:t>14/12/2025</a:t>
             </a:fld>
             <a:endParaRPr lang="es-MX"/>
           </a:p>
@@ -600,7 +605,7 @@
           <a:p>
             <a:fld id="{3C7D1927-A7A9-4FCF-9552-36A69B0CF598}" type="datetimeFigureOut">
               <a:rPr lang="es-MX" smtClean="0"/>
-              <a:t>13/12/2025</a:t>
+              <a:t>14/12/2025</a:t>
             </a:fld>
             <a:endParaRPr lang="es-MX"/>
           </a:p>
@@ -822,7 +827,7 @@
           <a:p>
             <a:fld id="{3C7D1927-A7A9-4FCF-9552-36A69B0CF598}" type="datetimeFigureOut">
               <a:rPr lang="es-MX" smtClean="0"/>
-              <a:t>13/12/2025</a:t>
+              <a:t>14/12/2025</a:t>
             </a:fld>
             <a:endParaRPr lang="es-MX"/>
           </a:p>
@@ -1113,7 +1118,7 @@
           <a:p>
             <a:fld id="{3C7D1927-A7A9-4FCF-9552-36A69B0CF598}" type="datetimeFigureOut">
               <a:rPr lang="es-MX" smtClean="0"/>
-              <a:t>13/12/2025</a:t>
+              <a:t>14/12/2025</a:t>
             </a:fld>
             <a:endParaRPr lang="es-MX"/>
           </a:p>
@@ -1567,7 +1572,7 @@
           <a:p>
             <a:fld id="{3C7D1927-A7A9-4FCF-9552-36A69B0CF598}" type="datetimeFigureOut">
               <a:rPr lang="es-MX" smtClean="0"/>
-              <a:t>13/12/2025</a:t>
+              <a:t>14/12/2025</a:t>
             </a:fld>
             <a:endParaRPr lang="es-MX"/>
           </a:p>
@@ -2143,7 +2148,7 @@
           <a:p>
             <a:fld id="{3C7D1927-A7A9-4FCF-9552-36A69B0CF598}" type="datetimeFigureOut">
               <a:rPr lang="es-MX" smtClean="0"/>
-              <a:t>13/12/2025</a:t>
+              <a:t>14/12/2025</a:t>
             </a:fld>
             <a:endParaRPr lang="es-MX"/>
           </a:p>
@@ -2995,7 +3000,7 @@
           <a:p>
             <a:fld id="{3C7D1927-A7A9-4FCF-9552-36A69B0CF598}" type="datetimeFigureOut">
               <a:rPr lang="es-MX" smtClean="0"/>
-              <a:t>13/12/2025</a:t>
+              <a:t>14/12/2025</a:t>
             </a:fld>
             <a:endParaRPr lang="es-MX"/>
           </a:p>
@@ -3200,7 +3205,7 @@
           <a:p>
             <a:fld id="{3C7D1927-A7A9-4FCF-9552-36A69B0CF598}" type="datetimeFigureOut">
               <a:rPr lang="es-MX" smtClean="0"/>
-              <a:t>13/12/2025</a:t>
+              <a:t>14/12/2025</a:t>
             </a:fld>
             <a:endParaRPr lang="es-MX"/>
           </a:p>
@@ -3414,7 +3419,7 @@
           <a:p>
             <a:fld id="{3C7D1927-A7A9-4FCF-9552-36A69B0CF598}" type="datetimeFigureOut">
               <a:rPr lang="es-MX" smtClean="0"/>
-              <a:t>13/12/2025</a:t>
+              <a:t>14/12/2025</a:t>
             </a:fld>
             <a:endParaRPr lang="es-MX"/>
           </a:p>
@@ -3602,7 +3607,7 @@
           <a:p>
             <a:fld id="{3C7D1927-A7A9-4FCF-9552-36A69B0CF598}" type="datetimeFigureOut">
               <a:rPr lang="es-MX" smtClean="0"/>
-              <a:t>13/12/2025</a:t>
+              <a:t>14/12/2025</a:t>
             </a:fld>
             <a:endParaRPr lang="es-MX"/>
           </a:p>
@@ -3819,7 +3824,7 @@
           <a:p>
             <a:fld id="{3C7D1927-A7A9-4FCF-9552-36A69B0CF598}" type="datetimeFigureOut">
               <a:rPr lang="es-MX" smtClean="0"/>
-              <a:t>13/12/2025</a:t>
+              <a:t>14/12/2025</a:t>
             </a:fld>
             <a:endParaRPr lang="es-MX"/>
           </a:p>
@@ -4099,7 +4104,7 @@
           <a:p>
             <a:fld id="{3C7D1927-A7A9-4FCF-9552-36A69B0CF598}" type="datetimeFigureOut">
               <a:rPr lang="es-MX" smtClean="0"/>
-              <a:t>13/12/2025</a:t>
+              <a:t>14/12/2025</a:t>
             </a:fld>
             <a:endParaRPr lang="es-MX"/>
           </a:p>
@@ -4366,7 +4371,7 @@
           <a:p>
             <a:fld id="{3C7D1927-A7A9-4FCF-9552-36A69B0CF598}" type="datetimeFigureOut">
               <a:rPr lang="es-MX" smtClean="0"/>
-              <a:t>13/12/2025</a:t>
+              <a:t>14/12/2025</a:t>
             </a:fld>
             <a:endParaRPr lang="es-MX"/>
           </a:p>
@@ -4781,7 +4786,7 @@
           <a:p>
             <a:fld id="{3C7D1927-A7A9-4FCF-9552-36A69B0CF598}" type="datetimeFigureOut">
               <a:rPr lang="es-MX" smtClean="0"/>
-              <a:t>13/12/2025</a:t>
+              <a:t>14/12/2025</a:t>
             </a:fld>
             <a:endParaRPr lang="es-MX"/>
           </a:p>
@@ -4929,7 +4934,7 @@
           <a:p>
             <a:fld id="{3C7D1927-A7A9-4FCF-9552-36A69B0CF598}" type="datetimeFigureOut">
               <a:rPr lang="es-MX" smtClean="0"/>
-              <a:t>13/12/2025</a:t>
+              <a:t>14/12/2025</a:t>
             </a:fld>
             <a:endParaRPr lang="es-MX"/>
           </a:p>
@@ -5054,7 +5059,7 @@
           <a:p>
             <a:fld id="{3C7D1927-A7A9-4FCF-9552-36A69B0CF598}" type="datetimeFigureOut">
               <a:rPr lang="es-MX" smtClean="0"/>
-              <a:t>13/12/2025</a:t>
+              <a:t>14/12/2025</a:t>
             </a:fld>
             <a:endParaRPr lang="es-MX"/>
           </a:p>
@@ -5333,7 +5338,7 @@
           <a:p>
             <a:fld id="{3C7D1927-A7A9-4FCF-9552-36A69B0CF598}" type="datetimeFigureOut">
               <a:rPr lang="es-MX" smtClean="0"/>
-              <a:t>13/12/2025</a:t>
+              <a:t>14/12/2025</a:t>
             </a:fld>
             <a:endParaRPr lang="es-MX"/>
           </a:p>
@@ -5645,7 +5650,7 @@
           <a:p>
             <a:fld id="{3C7D1927-A7A9-4FCF-9552-36A69B0CF598}" type="datetimeFigureOut">
               <a:rPr lang="es-MX" smtClean="0"/>
-              <a:t>13/12/2025</a:t>
+              <a:t>14/12/2025</a:t>
             </a:fld>
             <a:endParaRPr lang="es-MX"/>
           </a:p>
@@ -5898,7 +5903,7 @@
           <a:p>
             <a:fld id="{3C7D1927-A7A9-4FCF-9552-36A69B0CF598}" type="datetimeFigureOut">
               <a:rPr lang="es-MX" smtClean="0"/>
-              <a:t>13/12/2025</a:t>
+              <a:t>14/12/2025</a:t>
             </a:fld>
             <a:endParaRPr lang="es-MX"/>
           </a:p>
